--- a/output_with_formatted_text.pptx
+++ b/output_with_formatted_text.pptx
@@ -3425,7 +3425,17 @@
         <p:txBody>
           <a:bodyPr/>
           <a:lstStyle/>
-          <a:p/>
+          <a:p>
+            <a:r>
+              <a:rPr sz="3600">
+                <a:solidFill>
+                  <a:srgbClr val="008000"/>
+                </a:solidFill>
+                <a:latin typeface="Arial"/>
+              </a:rPr>
+              <a:t>F W Webb (Updated on 11/26/2024)</a:t>
+            </a:r>
+          </a:p>
         </p:txBody>
       </p:sp>
       <p:sp>
@@ -3469,27 +3479,25 @@
           <a:bodyPr rtlCol="0" anchor="t"/>
           <a:lstStyle/>
           <a:p>
-            <a:pPr algn="l">
-              <a:defRPr sz="1400" b="1">
+            <a:pPr algn="l"/>
+            <a:r>
+              <a:rPr sz="1200">
                 <a:solidFill>
                   <a:srgbClr val="000000"/>
                 </a:solidFill>
-              </a:defRPr>
-            </a:pPr>
-            <a:r>
-              <a:t>t1</a:t>
-            </a:r>
-          </a:p>
-          <a:p>
-            <a:pPr>
-              <a:defRPr sz="1200" i="1">
+              </a:rPr>
+              <a:t>t</a:t>
+            </a:r>
+          </a:p>
+          <a:p>
+            <a:pPr algn="l"/>
+            <a:r>
+              <a:rPr sz="1200">
                 <a:solidFill>
                   <a:srgbClr val="000000"/>
                 </a:solidFill>
-              </a:defRPr>
-            </a:pPr>
-            <a:r>
-              <a:t>t2</a:t>
+              </a:rPr>
+              <a:t>t</a:t>
             </a:r>
           </a:p>
         </p:txBody>
@@ -3535,27 +3543,25 @@
           <a:bodyPr rtlCol="0" anchor="t"/>
           <a:lstStyle/>
           <a:p>
-            <a:pPr algn="l">
-              <a:defRPr sz="1400" b="1">
+            <a:pPr algn="l"/>
+            <a:r>
+              <a:rPr sz="1200">
                 <a:solidFill>
                   <a:srgbClr val="000000"/>
                 </a:solidFill>
-              </a:defRPr>
-            </a:pPr>
-            <a:r>
-              <a:t>t1</a:t>
-            </a:r>
-          </a:p>
-          <a:p>
-            <a:pPr>
-              <a:defRPr sz="1200" i="1">
+              </a:rPr>
+              <a:t>t</a:t>
+            </a:r>
+          </a:p>
+          <a:p>
+            <a:pPr algn="l"/>
+            <a:r>
+              <a:rPr sz="1200">
                 <a:solidFill>
                   <a:srgbClr val="000000"/>
                 </a:solidFill>
-              </a:defRPr>
-            </a:pPr>
-            <a:r>
-              <a:t>t2</a:t>
+              </a:rPr>
+              <a:t>t</a:t>
             </a:r>
           </a:p>
         </p:txBody>
@@ -3601,27 +3607,25 @@
           <a:bodyPr rtlCol="0" anchor="t"/>
           <a:lstStyle/>
           <a:p>
-            <a:pPr algn="l">
-              <a:defRPr sz="1400" b="1">
+            <a:pPr algn="l"/>
+            <a:r>
+              <a:rPr sz="1200">
                 <a:solidFill>
                   <a:srgbClr val="000000"/>
                 </a:solidFill>
-              </a:defRPr>
-            </a:pPr>
-            <a:r>
-              <a:t>t1</a:t>
-            </a:r>
-          </a:p>
-          <a:p>
-            <a:pPr>
-              <a:defRPr sz="1200" i="1">
+              </a:rPr>
+              <a:t>t</a:t>
+            </a:r>
+          </a:p>
+          <a:p>
+            <a:pPr algn="l"/>
+            <a:r>
+              <a:rPr sz="1200">
                 <a:solidFill>
                   <a:srgbClr val="000000"/>
                 </a:solidFill>
-              </a:defRPr>
-            </a:pPr>
-            <a:r>
-              <a:t>t2</a:t>
+              </a:rPr>
+              <a:t>t</a:t>
             </a:r>
           </a:p>
         </p:txBody>
@@ -3679,27 +3683,37 @@
             </a:r>
           </a:p>
           <a:p>
-            <a:pPr>
-              <a:defRPr sz="1200" i="1">
+            <a:pPr algn="l"/>
+            <a:r>
+              <a:rPr sz="1200">
                 <a:solidFill>
                   <a:srgbClr val="000000"/>
                 </a:solidFill>
-              </a:defRPr>
-            </a:pPr>
-            <a:r>
-              <a:t>Aug 2024-F.W. Webb acquired GE Appliances' exclusive Northeast distributor status. [Link]</a:t>
-            </a:r>
-          </a:p>
-          <a:p>
-            <a:pPr>
-              <a:defRPr sz="1200" i="1">
+              </a:rPr>
+              <a:t>Aug 2024-F.W. Webb acquired GE Appliances' exclusive Northeast distributor status. </a:t>
+            </a:r>
+            <a:r>
+              <a:rPr sz="1200" b="1">
+                <a:hlinkClick r:id="rId2"/>
+              </a:rPr>
+              <a:t>[Link]</a:t>
+            </a:r>
+          </a:p>
+          <a:p>
+            <a:pPr algn="l"/>
+            <a:r>
+              <a:rPr sz="1200">
                 <a:solidFill>
                   <a:srgbClr val="000000"/>
                 </a:solidFill>
-              </a:defRPr>
-            </a:pPr>
-            <a:r>
-              <a:t>Dec 2023-F W Webb acquired J D Johnson Co. [Link]</a:t>
+              </a:rPr>
+              <a:t>Dec 2023-F W Webb acquired J D Johnson Co. </a:t>
+            </a:r>
+            <a:r>
+              <a:rPr sz="1200" b="1">
+                <a:hlinkClick r:id="rId3"/>
+              </a:rPr>
+              <a:t>[Link]</a:t>
             </a:r>
           </a:p>
         </p:txBody>
